--- a/CS229_2018/project/lstm.pptx
+++ b/CS229_2018/project/lstm.pptx
@@ -273,7 +273,7 @@
           <a:p>
             <a:fld id="{C15D07C5-B4BE-4717-8983-69E7F6F5333E}" type="datetimeFigureOut">
               <a:rPr lang="zh-CN" altLang="en-US" smtClean="0"/>
-              <a:t>2018/12/9</a:t>
+              <a:t>2018/12/14</a:t>
             </a:fld>
             <a:endParaRPr lang="zh-CN" altLang="en-US"/>
           </a:p>
@@ -473,7 +473,7 @@
           <a:p>
             <a:fld id="{C15D07C5-B4BE-4717-8983-69E7F6F5333E}" type="datetimeFigureOut">
               <a:rPr lang="zh-CN" altLang="en-US" smtClean="0"/>
-              <a:t>2018/12/9</a:t>
+              <a:t>2018/12/14</a:t>
             </a:fld>
             <a:endParaRPr lang="zh-CN" altLang="en-US"/>
           </a:p>
@@ -683,7 +683,7 @@
           <a:p>
             <a:fld id="{C15D07C5-B4BE-4717-8983-69E7F6F5333E}" type="datetimeFigureOut">
               <a:rPr lang="zh-CN" altLang="en-US" smtClean="0"/>
-              <a:t>2018/12/9</a:t>
+              <a:t>2018/12/14</a:t>
             </a:fld>
             <a:endParaRPr lang="zh-CN" altLang="en-US"/>
           </a:p>
@@ -883,7 +883,7 @@
           <a:p>
             <a:fld id="{C15D07C5-B4BE-4717-8983-69E7F6F5333E}" type="datetimeFigureOut">
               <a:rPr lang="zh-CN" altLang="en-US" smtClean="0"/>
-              <a:t>2018/12/9</a:t>
+              <a:t>2018/12/14</a:t>
             </a:fld>
             <a:endParaRPr lang="zh-CN" altLang="en-US"/>
           </a:p>
@@ -1159,7 +1159,7 @@
           <a:p>
             <a:fld id="{C15D07C5-B4BE-4717-8983-69E7F6F5333E}" type="datetimeFigureOut">
               <a:rPr lang="zh-CN" altLang="en-US" smtClean="0"/>
-              <a:t>2018/12/9</a:t>
+              <a:t>2018/12/14</a:t>
             </a:fld>
             <a:endParaRPr lang="zh-CN" altLang="en-US"/>
           </a:p>
@@ -1427,7 +1427,7 @@
           <a:p>
             <a:fld id="{C15D07C5-B4BE-4717-8983-69E7F6F5333E}" type="datetimeFigureOut">
               <a:rPr lang="zh-CN" altLang="en-US" smtClean="0"/>
-              <a:t>2018/12/9</a:t>
+              <a:t>2018/12/14</a:t>
             </a:fld>
             <a:endParaRPr lang="zh-CN" altLang="en-US"/>
           </a:p>
@@ -1842,7 +1842,7 @@
           <a:p>
             <a:fld id="{C15D07C5-B4BE-4717-8983-69E7F6F5333E}" type="datetimeFigureOut">
               <a:rPr lang="zh-CN" altLang="en-US" smtClean="0"/>
-              <a:t>2018/12/9</a:t>
+              <a:t>2018/12/14</a:t>
             </a:fld>
             <a:endParaRPr lang="zh-CN" altLang="en-US"/>
           </a:p>
@@ -1984,7 +1984,7 @@
           <a:p>
             <a:fld id="{C15D07C5-B4BE-4717-8983-69E7F6F5333E}" type="datetimeFigureOut">
               <a:rPr lang="zh-CN" altLang="en-US" smtClean="0"/>
-              <a:t>2018/12/9</a:t>
+              <a:t>2018/12/14</a:t>
             </a:fld>
             <a:endParaRPr lang="zh-CN" altLang="en-US"/>
           </a:p>
@@ -2097,7 +2097,7 @@
           <a:p>
             <a:fld id="{C15D07C5-B4BE-4717-8983-69E7F6F5333E}" type="datetimeFigureOut">
               <a:rPr lang="zh-CN" altLang="en-US" smtClean="0"/>
-              <a:t>2018/12/9</a:t>
+              <a:t>2018/12/14</a:t>
             </a:fld>
             <a:endParaRPr lang="zh-CN" altLang="en-US"/>
           </a:p>
@@ -2410,7 +2410,7 @@
           <a:p>
             <a:fld id="{C15D07C5-B4BE-4717-8983-69E7F6F5333E}" type="datetimeFigureOut">
               <a:rPr lang="zh-CN" altLang="en-US" smtClean="0"/>
-              <a:t>2018/12/9</a:t>
+              <a:t>2018/12/14</a:t>
             </a:fld>
             <a:endParaRPr lang="zh-CN" altLang="en-US"/>
           </a:p>
@@ -2699,7 +2699,7 @@
           <a:p>
             <a:fld id="{C15D07C5-B4BE-4717-8983-69E7F6F5333E}" type="datetimeFigureOut">
               <a:rPr lang="zh-CN" altLang="en-US" smtClean="0"/>
-              <a:t>2018/12/9</a:t>
+              <a:t>2018/12/14</a:t>
             </a:fld>
             <a:endParaRPr lang="zh-CN" altLang="en-US"/>
           </a:p>
@@ -2942,7 +2942,7 @@
           <a:p>
             <a:fld id="{C15D07C5-B4BE-4717-8983-69E7F6F5333E}" type="datetimeFigureOut">
               <a:rPr lang="zh-CN" altLang="en-US" smtClean="0"/>
-              <a:t>2018/12/9</a:t>
+              <a:t>2018/12/14</a:t>
             </a:fld>
             <a:endParaRPr lang="zh-CN" altLang="en-US"/>
           </a:p>
@@ -3373,7 +3373,7 @@
         </p:nvSpPr>
         <p:spPr>
           <a:xfrm>
-            <a:off x="3020037" y="3697448"/>
+            <a:off x="3263877" y="3571613"/>
             <a:ext cx="293615" cy="293615"/>
           </a:xfrm>
           <a:prstGeom prst="rect">
@@ -3422,7 +3422,7 @@
         </p:nvSpPr>
         <p:spPr>
           <a:xfrm>
-            <a:off x="3624044" y="3697447"/>
+            <a:off x="3829784" y="3571612"/>
             <a:ext cx="293615" cy="293615"/>
           </a:xfrm>
           <a:prstGeom prst="rect">
@@ -3471,7 +3471,7 @@
         </p:nvSpPr>
         <p:spPr>
           <a:xfrm>
-            <a:off x="4228052" y="3697448"/>
+            <a:off x="4388072" y="3571613"/>
             <a:ext cx="293615" cy="293615"/>
           </a:xfrm>
           <a:prstGeom prst="rect">
@@ -3520,7 +3520,7 @@
         </p:nvSpPr>
         <p:spPr>
           <a:xfrm>
-            <a:off x="4806892" y="3697446"/>
+            <a:off x="4921192" y="3571611"/>
             <a:ext cx="293615" cy="293615"/>
           </a:xfrm>
           <a:prstGeom prst="rect">
@@ -3569,7 +3569,7 @@
         </p:nvSpPr>
         <p:spPr>
           <a:xfrm>
-            <a:off x="5436067" y="3697447"/>
+            <a:off x="5474167" y="3571612"/>
             <a:ext cx="293615" cy="293615"/>
           </a:xfrm>
           <a:prstGeom prst="rect">
@@ -3618,7 +3618,7 @@
         </p:nvSpPr>
         <p:spPr>
           <a:xfrm>
-            <a:off x="3020037" y="2508309"/>
+            <a:off x="3263877" y="2508309"/>
             <a:ext cx="293615" cy="851476"/>
           </a:xfrm>
           <a:prstGeom prst="rect">
@@ -3667,7 +3667,7 @@
         </p:nvSpPr>
         <p:spPr>
           <a:xfrm>
-            <a:off x="3624044" y="2508308"/>
+            <a:off x="3829784" y="2508308"/>
             <a:ext cx="293615" cy="840998"/>
           </a:xfrm>
           <a:prstGeom prst="rect">
@@ -3716,7 +3716,7 @@
         </p:nvSpPr>
         <p:spPr>
           <a:xfrm>
-            <a:off x="4228052" y="2508309"/>
+            <a:off x="4388072" y="2508309"/>
             <a:ext cx="293615" cy="840988"/>
           </a:xfrm>
           <a:prstGeom prst="rect">
@@ -3765,7 +3765,7 @@
         </p:nvSpPr>
         <p:spPr>
           <a:xfrm>
-            <a:off x="4806892" y="2508307"/>
+            <a:off x="4921192" y="2508307"/>
             <a:ext cx="293615" cy="840983"/>
           </a:xfrm>
           <a:prstGeom prst="rect">
@@ -3814,7 +3814,7 @@
         </p:nvSpPr>
         <p:spPr>
           <a:xfrm>
-            <a:off x="5436067" y="2508307"/>
+            <a:off x="5474167" y="2508307"/>
             <a:ext cx="293615" cy="847289"/>
           </a:xfrm>
           <a:prstGeom prst="rect">
@@ -3863,7 +3863,7 @@
         </p:nvSpPr>
         <p:spPr>
           <a:xfrm>
-            <a:off x="3020037" y="1333867"/>
+            <a:off x="3263877" y="1426146"/>
             <a:ext cx="293615" cy="864050"/>
           </a:xfrm>
           <a:prstGeom prst="rect">
@@ -3909,7 +3909,7 @@
         </p:nvSpPr>
         <p:spPr>
           <a:xfrm>
-            <a:off x="3624044" y="1333866"/>
+            <a:off x="3829784" y="1426145"/>
             <a:ext cx="293615" cy="864049"/>
           </a:xfrm>
           <a:prstGeom prst="rect">
@@ -3955,7 +3955,7 @@
         </p:nvSpPr>
         <p:spPr>
           <a:xfrm>
-            <a:off x="4228052" y="1333866"/>
+            <a:off x="4388072" y="1426145"/>
             <a:ext cx="293615" cy="849370"/>
           </a:xfrm>
           <a:prstGeom prst="rect">
@@ -4001,7 +4001,7 @@
         </p:nvSpPr>
         <p:spPr>
           <a:xfrm>
-            <a:off x="4806892" y="1333867"/>
+            <a:off x="4921192" y="1426146"/>
             <a:ext cx="293615" cy="864048"/>
           </a:xfrm>
           <a:prstGeom prst="rect">
@@ -4047,7 +4047,7 @@
         </p:nvSpPr>
         <p:spPr>
           <a:xfrm>
-            <a:off x="5436067" y="1333866"/>
+            <a:off x="5474167" y="1426145"/>
             <a:ext cx="293615" cy="864049"/>
           </a:xfrm>
           <a:prstGeom prst="rect">
@@ -4081,10 +4081,10 @@
       </p:sp>
       <p:cxnSp>
         <p:nvCxnSpPr>
-          <p:cNvPr id="30" name="Straight Connector 29">
-            <a:extLst>
-              <a:ext uri="{FF2B5EF4-FFF2-40B4-BE49-F238E27FC236}">
-                <a16:creationId xmlns:a16="http://schemas.microsoft.com/office/drawing/2014/main" id="{FD0F1B97-D649-4429-955A-6E5F4E201256}"/>
+          <p:cNvPr id="40" name="Straight Arrow Connector 39">
+            <a:extLst>
+              <a:ext uri="{FF2B5EF4-FFF2-40B4-BE49-F238E27FC236}">
+                <a16:creationId xmlns:a16="http://schemas.microsoft.com/office/drawing/2014/main" id="{BBAAFB38-74C0-4830-B388-2241FDEC0E31}"/>
               </a:ext>
             </a:extLst>
           </p:cNvPr>
@@ -4095,83 +4095,7 @@
         </p:nvCxnSpPr>
         <p:spPr>
           <a:xfrm>
-            <a:off x="1778467" y="3531766"/>
-            <a:ext cx="8321879" cy="0"/>
-          </a:xfrm>
-          <a:prstGeom prst="line">
-            <a:avLst/>
-          </a:prstGeom>
-        </p:spPr>
-        <p:style>
-          <a:lnRef idx="1">
-            <a:schemeClr val="accent1"/>
-          </a:lnRef>
-          <a:fillRef idx="0">
-            <a:schemeClr val="accent1"/>
-          </a:fillRef>
-          <a:effectRef idx="0">
-            <a:schemeClr val="accent1"/>
-          </a:effectRef>
-          <a:fontRef idx="minor">
-            <a:schemeClr val="tx1"/>
-          </a:fontRef>
-        </p:style>
-      </p:cxnSp>
-      <p:cxnSp>
-        <p:nvCxnSpPr>
-          <p:cNvPr id="31" name="Straight Connector 30">
-            <a:extLst>
-              <a:ext uri="{FF2B5EF4-FFF2-40B4-BE49-F238E27FC236}">
-                <a16:creationId xmlns:a16="http://schemas.microsoft.com/office/drawing/2014/main" id="{88119E1E-667F-4E45-ACF2-6E140749694B}"/>
-              </a:ext>
-            </a:extLst>
-          </p:cNvPr>
-          <p:cNvCxnSpPr>
-            <a:cxnSpLocks/>
-          </p:cNvCxnSpPr>
-          <p:nvPr/>
-        </p:nvCxnSpPr>
-        <p:spPr>
-          <a:xfrm flipV="1">
-            <a:off x="1778467" y="2353111"/>
-            <a:ext cx="8237989" cy="12585"/>
-          </a:xfrm>
-          <a:prstGeom prst="line">
-            <a:avLst/>
-          </a:prstGeom>
-        </p:spPr>
-        <p:style>
-          <a:lnRef idx="1">
-            <a:schemeClr val="accent1"/>
-          </a:lnRef>
-          <a:fillRef idx="0">
-            <a:schemeClr val="accent1"/>
-          </a:fillRef>
-          <a:effectRef idx="0">
-            <a:schemeClr val="accent1"/>
-          </a:effectRef>
-          <a:fontRef idx="minor">
-            <a:schemeClr val="tx1"/>
-          </a:fontRef>
-        </p:style>
-      </p:cxnSp>
-      <p:cxnSp>
-        <p:nvCxnSpPr>
-          <p:cNvPr id="40" name="Straight Arrow Connector 39">
-            <a:extLst>
-              <a:ext uri="{FF2B5EF4-FFF2-40B4-BE49-F238E27FC236}">
-                <a16:creationId xmlns:a16="http://schemas.microsoft.com/office/drawing/2014/main" id="{BBAAFB38-74C0-4830-B388-2241FDEC0E31}"/>
-              </a:ext>
-            </a:extLst>
-          </p:cNvPr>
-          <p:cNvCxnSpPr>
-            <a:cxnSpLocks/>
-          </p:cNvCxnSpPr>
-          <p:nvPr/>
-        </p:nvCxnSpPr>
-        <p:spPr>
-          <a:xfrm>
-            <a:off x="2298584" y="3246540"/>
+            <a:off x="2542424" y="3246540"/>
             <a:ext cx="721453" cy="4195"/>
           </a:xfrm>
           <a:prstGeom prst="straightConnector1">
@@ -4212,7 +4136,7 @@
         </p:nvCxnSpPr>
         <p:spPr>
           <a:xfrm>
-            <a:off x="2298584" y="2667700"/>
+            <a:off x="2542424" y="2667700"/>
             <a:ext cx="721453" cy="4195"/>
           </a:xfrm>
           <a:prstGeom prst="straightConnector1">
@@ -4253,7 +4177,7 @@
         </p:nvCxnSpPr>
         <p:spPr>
           <a:xfrm>
-            <a:off x="2323750" y="2049008"/>
+            <a:off x="2567590" y="2141287"/>
             <a:ext cx="721453" cy="4195"/>
           </a:xfrm>
           <a:prstGeom prst="straightConnector1">
@@ -4294,7 +4218,7 @@
         </p:nvCxnSpPr>
         <p:spPr>
           <a:xfrm>
-            <a:off x="2298584" y="1453390"/>
+            <a:off x="2542424" y="1545669"/>
             <a:ext cx="721453" cy="4195"/>
           </a:xfrm>
           <a:prstGeom prst="straightConnector1">
@@ -4336,8 +4260,8 @@
         </p:nvCxnSpPr>
         <p:spPr>
           <a:xfrm flipV="1">
-            <a:off x="3166845" y="2197917"/>
-            <a:ext cx="0" cy="310392"/>
+            <a:off x="3410685" y="2290196"/>
+            <a:ext cx="0" cy="218113"/>
           </a:xfrm>
           <a:prstGeom prst="straightConnector1">
             <a:avLst/>
@@ -4378,8 +4302,8 @@
         </p:nvCxnSpPr>
         <p:spPr>
           <a:xfrm flipV="1">
-            <a:off x="3770852" y="2197915"/>
-            <a:ext cx="0" cy="310393"/>
+            <a:off x="3976592" y="2290194"/>
+            <a:ext cx="0" cy="218114"/>
           </a:xfrm>
           <a:prstGeom prst="straightConnector1">
             <a:avLst/>
@@ -4420,8 +4344,8 @@
         </p:nvCxnSpPr>
         <p:spPr>
           <a:xfrm flipV="1">
-            <a:off x="4374860" y="2183236"/>
-            <a:ext cx="0" cy="325073"/>
+            <a:off x="4534880" y="2275515"/>
+            <a:ext cx="0" cy="232794"/>
           </a:xfrm>
           <a:prstGeom prst="straightConnector1">
             <a:avLst/>
@@ -4462,8 +4386,8 @@
         </p:nvCxnSpPr>
         <p:spPr>
           <a:xfrm flipV="1">
-            <a:off x="4953700" y="2197915"/>
-            <a:ext cx="0" cy="310392"/>
+            <a:off x="5068000" y="2290194"/>
+            <a:ext cx="0" cy="218113"/>
           </a:xfrm>
           <a:prstGeom prst="straightConnector1">
             <a:avLst/>
@@ -4504,8 +4428,8 @@
         </p:nvCxnSpPr>
         <p:spPr>
           <a:xfrm flipV="1">
-            <a:off x="5582875" y="2197915"/>
-            <a:ext cx="0" cy="310392"/>
+            <a:off x="5620975" y="2290194"/>
+            <a:ext cx="0" cy="218113"/>
           </a:xfrm>
           <a:prstGeom prst="straightConnector1">
             <a:avLst/>
@@ -4545,7 +4469,7 @@
         </p:nvCxnSpPr>
         <p:spPr>
           <a:xfrm>
-            <a:off x="3313652" y="1453390"/>
+            <a:off x="3519392" y="1545669"/>
             <a:ext cx="310392" cy="0"/>
           </a:xfrm>
           <a:prstGeom prst="straightConnector1">
@@ -4586,7 +4510,7 @@
         </p:nvCxnSpPr>
         <p:spPr>
           <a:xfrm>
-            <a:off x="3313652" y="2049008"/>
+            <a:off x="3519392" y="2141287"/>
             <a:ext cx="310392" cy="0"/>
           </a:xfrm>
           <a:prstGeom prst="straightConnector1">
@@ -4627,7 +4551,7 @@
         </p:nvCxnSpPr>
         <p:spPr>
           <a:xfrm>
-            <a:off x="3927447" y="1454788"/>
+            <a:off x="4087467" y="1547067"/>
             <a:ext cx="310392" cy="0"/>
           </a:xfrm>
           <a:prstGeom prst="straightConnector1">
@@ -4668,7 +4592,7 @@
         </p:nvCxnSpPr>
         <p:spPr>
           <a:xfrm>
-            <a:off x="3927447" y="2050406"/>
+            <a:off x="4087467" y="2142685"/>
             <a:ext cx="310392" cy="0"/>
           </a:xfrm>
           <a:prstGeom prst="straightConnector1">
@@ -4709,7 +4633,7 @@
         </p:nvCxnSpPr>
         <p:spPr>
           <a:xfrm>
-            <a:off x="4499297" y="1456186"/>
+            <a:off x="4613597" y="1548465"/>
             <a:ext cx="310392" cy="0"/>
           </a:xfrm>
           <a:prstGeom prst="straightConnector1">
@@ -4750,7 +4674,7 @@
         </p:nvCxnSpPr>
         <p:spPr>
           <a:xfrm>
-            <a:off x="4499297" y="2051804"/>
+            <a:off x="4613597" y="2144083"/>
             <a:ext cx="310392" cy="0"/>
           </a:xfrm>
           <a:prstGeom prst="straightConnector1">
@@ -4791,7 +4715,7 @@
         </p:nvCxnSpPr>
         <p:spPr>
           <a:xfrm>
-            <a:off x="5128472" y="1447797"/>
+            <a:off x="5166572" y="1540076"/>
             <a:ext cx="310392" cy="0"/>
           </a:xfrm>
           <a:prstGeom prst="straightConnector1">
@@ -4832,7 +4756,7 @@
         </p:nvCxnSpPr>
         <p:spPr>
           <a:xfrm>
-            <a:off x="5128472" y="2043415"/>
+            <a:off x="5166572" y="2135694"/>
             <a:ext cx="310392" cy="0"/>
           </a:xfrm>
           <a:prstGeom prst="straightConnector1">
@@ -4873,7 +4797,7 @@
         </p:nvCxnSpPr>
         <p:spPr>
           <a:xfrm>
-            <a:off x="5113092" y="2657211"/>
+            <a:off x="5151192" y="2657211"/>
             <a:ext cx="310392" cy="0"/>
           </a:xfrm>
           <a:prstGeom prst="straightConnector1">
@@ -4914,7 +4838,7 @@
         </p:nvCxnSpPr>
         <p:spPr>
           <a:xfrm>
-            <a:off x="5113092" y="3252829"/>
+            <a:off x="5151192" y="3252829"/>
             <a:ext cx="310392" cy="0"/>
           </a:xfrm>
           <a:prstGeom prst="straightConnector1">
@@ -4955,7 +4879,7 @@
         </p:nvCxnSpPr>
         <p:spPr>
           <a:xfrm>
-            <a:off x="4493704" y="2650220"/>
+            <a:off x="4608004" y="2650220"/>
             <a:ext cx="310392" cy="0"/>
           </a:xfrm>
           <a:prstGeom prst="straightConnector1">
@@ -4996,7 +4920,7 @@
         </p:nvCxnSpPr>
         <p:spPr>
           <a:xfrm>
-            <a:off x="4493704" y="3245838"/>
+            <a:off x="4608004" y="3245838"/>
             <a:ext cx="310392" cy="0"/>
           </a:xfrm>
           <a:prstGeom prst="straightConnector1">
@@ -5037,7 +4961,7 @@
         </p:nvCxnSpPr>
         <p:spPr>
           <a:xfrm>
-            <a:off x="3933039" y="2651618"/>
+            <a:off x="4093059" y="2651618"/>
             <a:ext cx="310392" cy="0"/>
           </a:xfrm>
           <a:prstGeom prst="straightConnector1">
@@ -5078,7 +5002,7 @@
         </p:nvCxnSpPr>
         <p:spPr>
           <a:xfrm>
-            <a:off x="3933039" y="3247236"/>
+            <a:off x="4093059" y="3247236"/>
             <a:ext cx="310392" cy="0"/>
           </a:xfrm>
           <a:prstGeom prst="straightConnector1">
@@ -5119,7 +5043,7 @@
         </p:nvCxnSpPr>
         <p:spPr>
           <a:xfrm>
-            <a:off x="3305262" y="2669794"/>
+            <a:off x="3511002" y="2669794"/>
             <a:ext cx="310392" cy="0"/>
           </a:xfrm>
           <a:prstGeom prst="straightConnector1">
@@ -5160,7 +5084,7 @@
         </p:nvCxnSpPr>
         <p:spPr>
           <a:xfrm>
-            <a:off x="3305262" y="3265412"/>
+            <a:off x="3511002" y="3265412"/>
             <a:ext cx="310392" cy="0"/>
           </a:xfrm>
           <a:prstGeom prst="straightConnector1">
@@ -5199,7 +5123,7 @@
         </p:nvSpPr>
         <p:spPr>
           <a:xfrm>
-            <a:off x="2206305" y="1258349"/>
+            <a:off x="2855275" y="1350628"/>
             <a:ext cx="351378" cy="276999"/>
           </a:xfrm>
           <a:prstGeom prst="rect">
@@ -5235,7 +5159,7 @@
         </p:nvSpPr>
         <p:spPr>
           <a:xfrm>
-            <a:off x="2211459" y="2449561"/>
+            <a:off x="2906149" y="2449561"/>
             <a:ext cx="351378" cy="276999"/>
           </a:xfrm>
           <a:prstGeom prst="rect">
@@ -5271,7 +5195,7 @@
         </p:nvSpPr>
         <p:spPr>
           <a:xfrm>
-            <a:off x="2207703" y="1830199"/>
+            <a:off x="2902393" y="1922478"/>
             <a:ext cx="351378" cy="276999"/>
           </a:xfrm>
           <a:prstGeom prst="rect">
@@ -5307,7 +5231,7 @@
         </p:nvSpPr>
         <p:spPr>
           <a:xfrm>
-            <a:off x="2212857" y="3021411"/>
+            <a:off x="2907547" y="3021411"/>
             <a:ext cx="351378" cy="276999"/>
           </a:xfrm>
           <a:prstGeom prst="rect">
@@ -5343,7 +5267,7 @@
         </p:nvSpPr>
         <p:spPr>
           <a:xfrm>
-            <a:off x="5723393" y="1393899"/>
+            <a:off x="5761493" y="1486178"/>
             <a:ext cx="351378" cy="276999"/>
           </a:xfrm>
           <a:prstGeom prst="rect">
@@ -5379,7 +5303,7 @@
         </p:nvSpPr>
         <p:spPr>
           <a:xfrm>
-            <a:off x="5713864" y="2518711"/>
+            <a:off x="5751964" y="2518711"/>
             <a:ext cx="351378" cy="276999"/>
           </a:xfrm>
           <a:prstGeom prst="rect">
@@ -5415,7 +5339,7 @@
         </p:nvSpPr>
         <p:spPr>
           <a:xfrm>
-            <a:off x="5730652" y="1884245"/>
+            <a:off x="5768752" y="1976524"/>
             <a:ext cx="351378" cy="276999"/>
           </a:xfrm>
           <a:prstGeom prst="rect">
@@ -5451,7 +5375,7 @@
         </p:nvSpPr>
         <p:spPr>
           <a:xfrm>
-            <a:off x="5697286" y="3052299"/>
+            <a:off x="5735386" y="3052299"/>
             <a:ext cx="351378" cy="276999"/>
           </a:xfrm>
           <a:prstGeom prst="rect">
@@ -5489,7 +5413,7 @@
         </p:nvCxnSpPr>
         <p:spPr>
           <a:xfrm flipV="1">
-            <a:off x="3155659" y="3363971"/>
+            <a:off x="3399499" y="3363971"/>
             <a:ext cx="0" cy="310392"/>
           </a:xfrm>
           <a:prstGeom prst="straightConnector1">
@@ -5530,7 +5454,7 @@
         </p:nvCxnSpPr>
         <p:spPr>
           <a:xfrm flipV="1">
-            <a:off x="3759666" y="3363969"/>
+            <a:off x="3965406" y="3363969"/>
             <a:ext cx="0" cy="310393"/>
           </a:xfrm>
           <a:prstGeom prst="straightConnector1">
@@ -5571,7 +5495,7 @@
         </p:nvCxnSpPr>
         <p:spPr>
           <a:xfrm flipV="1">
-            <a:off x="4363674" y="3349290"/>
+            <a:off x="4523694" y="3349290"/>
             <a:ext cx="0" cy="325073"/>
           </a:xfrm>
           <a:prstGeom prst="straightConnector1">
@@ -5612,7 +5536,7 @@
         </p:nvCxnSpPr>
         <p:spPr>
           <a:xfrm flipV="1">
-            <a:off x="4942514" y="3363969"/>
+            <a:off x="5056814" y="3363969"/>
             <a:ext cx="0" cy="310392"/>
           </a:xfrm>
           <a:prstGeom prst="straightConnector1">
@@ -5653,7 +5577,7 @@
         </p:nvCxnSpPr>
         <p:spPr>
           <a:xfrm flipV="1">
-            <a:off x="5571689" y="3363969"/>
+            <a:off x="5609789" y="3363969"/>
             <a:ext cx="0" cy="310392"/>
           </a:xfrm>
           <a:prstGeom prst="straightConnector1">
@@ -5700,7 +5624,7 @@
         </p:blipFill>
         <p:spPr>
           <a:xfrm>
-            <a:off x="3716322" y="4265106"/>
+            <a:off x="3754422" y="4070691"/>
             <a:ext cx="1009650" cy="789486"/>
           </a:xfrm>
           <a:prstGeom prst="rect">
@@ -5722,7 +5646,7 @@
         </p:nvSpPr>
         <p:spPr>
           <a:xfrm>
-            <a:off x="6282637" y="2714447"/>
+            <a:off x="6282637" y="2988767"/>
             <a:ext cx="293615" cy="276994"/>
           </a:xfrm>
           <a:prstGeom prst="flowChartOr">
@@ -5772,8 +5696,8 @@
         </p:nvCxnSpPr>
         <p:spPr>
           <a:xfrm>
-            <a:off x="6108049" y="1532399"/>
-            <a:ext cx="174588" cy="1320545"/>
+            <a:off x="6112871" y="1624678"/>
+            <a:ext cx="169766" cy="1502586"/>
           </a:xfrm>
           <a:prstGeom prst="curvedConnector3">
             <a:avLst>
@@ -5817,8 +5741,8 @@
         </p:nvCxnSpPr>
         <p:spPr>
           <a:xfrm>
-            <a:off x="6098520" y="2657211"/>
-            <a:ext cx="184117" cy="195733"/>
+            <a:off x="6103342" y="2657211"/>
+            <a:ext cx="179295" cy="470053"/>
           </a:xfrm>
           <a:prstGeom prst="curvedConnector3">
             <a:avLst>
@@ -5866,7 +5790,7 @@
         </p:blipFill>
         <p:spPr>
           <a:xfrm>
-            <a:off x="7621923" y="4265107"/>
+            <a:off x="6974223" y="4070692"/>
             <a:ext cx="1028700" cy="789486"/>
           </a:xfrm>
           <a:prstGeom prst="rect">
@@ -5888,7 +5812,7 @@
         </p:nvSpPr>
         <p:spPr>
           <a:xfrm>
-            <a:off x="6788268" y="3756171"/>
+            <a:off x="6582528" y="3630336"/>
             <a:ext cx="293615" cy="293615"/>
           </a:xfrm>
           <a:prstGeom prst="rect">
@@ -5940,7 +5864,7 @@
         </p:nvSpPr>
         <p:spPr>
           <a:xfrm>
-            <a:off x="7392275" y="3756170"/>
+            <a:off x="6927455" y="3630335"/>
             <a:ext cx="293615" cy="293615"/>
           </a:xfrm>
           <a:prstGeom prst="rect">
@@ -5992,7 +5916,7 @@
         </p:nvSpPr>
         <p:spPr>
           <a:xfrm>
-            <a:off x="7996283" y="3756171"/>
+            <a:off x="7325723" y="3630336"/>
             <a:ext cx="293615" cy="293615"/>
           </a:xfrm>
           <a:prstGeom prst="rect">
@@ -6044,7 +5968,7 @@
         </p:nvSpPr>
         <p:spPr>
           <a:xfrm>
-            <a:off x="8575123" y="3756169"/>
+            <a:off x="7767403" y="3630334"/>
             <a:ext cx="293615" cy="293615"/>
           </a:xfrm>
           <a:prstGeom prst="rect">
@@ -6096,7 +6020,7 @@
         </p:nvSpPr>
         <p:spPr>
           <a:xfrm>
-            <a:off x="9204298" y="3756170"/>
+            <a:off x="8206078" y="3630335"/>
             <a:ext cx="293615" cy="293615"/>
           </a:xfrm>
           <a:prstGeom prst="rect">
@@ -6152,8 +6076,8 @@
         </p:nvCxnSpPr>
         <p:spPr>
           <a:xfrm flipH="1" flipV="1">
-            <a:off x="6934357" y="2449061"/>
-            <a:ext cx="719" cy="1307110"/>
+            <a:off x="6728617" y="2449061"/>
+            <a:ext cx="719" cy="1181275"/>
           </a:xfrm>
           <a:prstGeom prst="straightConnector1">
             <a:avLst/>
@@ -6195,8 +6119,8 @@
         </p:nvCxnSpPr>
         <p:spPr>
           <a:xfrm flipH="1" flipV="1">
-            <a:off x="7538364" y="2451147"/>
-            <a:ext cx="719" cy="1305023"/>
+            <a:off x="7073544" y="2451147"/>
+            <a:ext cx="719" cy="1179188"/>
           </a:xfrm>
           <a:prstGeom prst="straightConnector1">
             <a:avLst/>
@@ -6238,8 +6162,8 @@
         </p:nvCxnSpPr>
         <p:spPr>
           <a:xfrm flipV="1">
-            <a:off x="8143091" y="2453242"/>
-            <a:ext cx="7631" cy="1302929"/>
+            <a:off x="7472531" y="2453242"/>
+            <a:ext cx="7631" cy="1177094"/>
           </a:xfrm>
           <a:prstGeom prst="straightConnector1">
             <a:avLst/>
@@ -6281,8 +6205,8 @@
         </p:nvCxnSpPr>
         <p:spPr>
           <a:xfrm flipH="1" flipV="1">
-            <a:off x="8720707" y="2446458"/>
-            <a:ext cx="1224" cy="1309711"/>
+            <a:off x="7912987" y="2446458"/>
+            <a:ext cx="1224" cy="1183876"/>
           </a:xfrm>
           <a:prstGeom prst="straightConnector1">
             <a:avLst/>
@@ -6324,8 +6248,8 @@
         </p:nvCxnSpPr>
         <p:spPr>
           <a:xfrm flipH="1" flipV="1">
-            <a:off x="9347803" y="2438069"/>
-            <a:ext cx="3303" cy="1318101"/>
+            <a:off x="8349583" y="2438069"/>
+            <a:ext cx="3303" cy="1192266"/>
           </a:xfrm>
           <a:prstGeom prst="straightConnector1">
             <a:avLst/>
@@ -6363,7 +6287,7 @@
         </p:nvSpPr>
         <p:spPr>
           <a:xfrm>
-            <a:off x="6816191" y="2230797"/>
+            <a:off x="6610451" y="2230797"/>
             <a:ext cx="236331" cy="218264"/>
           </a:xfrm>
           <a:prstGeom prst="flowChartSummingJunction">
@@ -6409,7 +6333,7 @@
         </p:nvSpPr>
         <p:spPr>
           <a:xfrm>
-            <a:off x="7420198" y="2232883"/>
+            <a:off x="6955378" y="2232883"/>
             <a:ext cx="236331" cy="218264"/>
           </a:xfrm>
           <a:prstGeom prst="flowChartSummingJunction">
@@ -6455,7 +6379,7 @@
         </p:nvSpPr>
         <p:spPr>
           <a:xfrm>
-            <a:off x="8032556" y="2234978"/>
+            <a:off x="7361996" y="2234978"/>
             <a:ext cx="236331" cy="218264"/>
           </a:xfrm>
           <a:prstGeom prst="flowChartSummingJunction">
@@ -6501,7 +6425,7 @@
         </p:nvSpPr>
         <p:spPr>
           <a:xfrm>
-            <a:off x="8602541" y="2228194"/>
+            <a:off x="7794821" y="2228194"/>
             <a:ext cx="236331" cy="218264"/>
           </a:xfrm>
           <a:prstGeom prst="flowChartSummingJunction">
@@ -6547,7 +6471,7 @@
         </p:nvSpPr>
         <p:spPr>
           <a:xfrm>
-            <a:off x="9229637" y="2219805"/>
+            <a:off x="8231417" y="2219805"/>
             <a:ext cx="236331" cy="218264"/>
           </a:xfrm>
           <a:prstGeom prst="flowChartSummingJunction">
@@ -6598,7 +6522,7 @@
         <p:spPr>
           <a:xfrm flipV="1">
             <a:off x="6576252" y="2449061"/>
-            <a:ext cx="358105" cy="403883"/>
+            <a:ext cx="152365" cy="678203"/>
           </a:xfrm>
           <a:prstGeom prst="straightConnector1">
             <a:avLst/>
@@ -6641,7 +6565,7 @@
         <p:spPr>
           <a:xfrm flipV="1">
             <a:off x="6576252" y="2451147"/>
-            <a:ext cx="962112" cy="401797"/>
+            <a:ext cx="497292" cy="676117"/>
           </a:xfrm>
           <a:prstGeom prst="straightConnector1">
             <a:avLst/>
@@ -6684,7 +6608,7 @@
         <p:spPr>
           <a:xfrm flipV="1">
             <a:off x="6576252" y="2453242"/>
-            <a:ext cx="1574470" cy="399702"/>
+            <a:ext cx="903910" cy="674022"/>
           </a:xfrm>
           <a:prstGeom prst="straightConnector1">
             <a:avLst/>
@@ -6727,7 +6651,7 @@
         <p:spPr>
           <a:xfrm flipV="1">
             <a:off x="6576252" y="2446458"/>
-            <a:ext cx="2144455" cy="406486"/>
+            <a:ext cx="1336735" cy="680806"/>
           </a:xfrm>
           <a:prstGeom prst="straightConnector1">
             <a:avLst/>
@@ -6770,7 +6694,7 @@
         <p:spPr>
           <a:xfrm flipV="1">
             <a:off x="6576252" y="2438069"/>
-            <a:ext cx="2771551" cy="414875"/>
+            <a:ext cx="1773331" cy="689195"/>
           </a:xfrm>
           <a:prstGeom prst="straightConnector1">
             <a:avLst/>
@@ -6810,7 +6734,7 @@
         </p:nvCxnSpPr>
         <p:spPr>
           <a:xfrm flipV="1">
-            <a:off x="6928258" y="1896144"/>
+            <a:off x="6722518" y="1896144"/>
             <a:ext cx="0" cy="310392"/>
           </a:xfrm>
           <a:prstGeom prst="straightConnector1">
@@ -6851,7 +6775,7 @@
         </p:nvCxnSpPr>
         <p:spPr>
           <a:xfrm flipV="1">
-            <a:off x="7532265" y="1896142"/>
+            <a:off x="7067445" y="1896142"/>
             <a:ext cx="0" cy="310393"/>
           </a:xfrm>
           <a:prstGeom prst="straightConnector1">
@@ -6892,7 +6816,7 @@
         </p:nvCxnSpPr>
         <p:spPr>
           <a:xfrm flipV="1">
-            <a:off x="8136273" y="1881463"/>
+            <a:off x="7465713" y="1881463"/>
             <a:ext cx="0" cy="325073"/>
           </a:xfrm>
           <a:prstGeom prst="straightConnector1">
@@ -6933,7 +6857,7 @@
         </p:nvCxnSpPr>
         <p:spPr>
           <a:xfrm flipV="1">
-            <a:off x="8715113" y="1896142"/>
+            <a:off x="7907393" y="1896142"/>
             <a:ext cx="0" cy="310392"/>
           </a:xfrm>
           <a:prstGeom prst="straightConnector1">
@@ -6974,7 +6898,7 @@
         </p:nvCxnSpPr>
         <p:spPr>
           <a:xfrm flipV="1">
-            <a:off x="9344288" y="1896142"/>
+            <a:off x="8346068" y="1896142"/>
             <a:ext cx="0" cy="310392"/>
           </a:xfrm>
           <a:prstGeom prst="straightConnector1">
@@ -6999,8 +6923,8 @@
           </a:fontRef>
         </p:style>
       </p:cxnSp>
-      <mc:AlternateContent xmlns:mc="http://schemas.openxmlformats.org/markup-compatibility/2006" xmlns:a14="http://schemas.microsoft.com/office/drawing/2010/main">
-        <mc:Choice Requires="a14">
+      <mc:AlternateContent xmlns:mc="http://schemas.openxmlformats.org/markup-compatibility/2006">
+        <mc:Choice xmlns:a14="http://schemas.microsoft.com/office/drawing/2010/main" Requires="a14">
           <p:sp>
             <p:nvSpPr>
               <p:cNvPr id="214" name="TextBox 213">
@@ -7015,7 +6939,7 @@
             </p:nvSpPr>
             <p:spPr>
               <a:xfrm>
-                <a:off x="6667218" y="1762860"/>
+                <a:off x="6490002" y="1785356"/>
                 <a:ext cx="485518" cy="284693"/>
               </a:xfrm>
               <a:prstGeom prst="rect">
@@ -7081,7 +7005,7 @@
             </p:txBody>
           </p:sp>
         </mc:Choice>
-        <mc:Fallback xmlns="">
+        <mc:Fallback>
           <p:sp>
             <p:nvSpPr>
               <p:cNvPr id="214" name="TextBox 213">
@@ -7098,7 +7022,7 @@
             </p:nvSpPr>
             <p:spPr>
               <a:xfrm>
-                <a:off x="6667218" y="1762860"/>
+                <a:off x="6490002" y="1785356"/>
                 <a:ext cx="485518" cy="284693"/>
               </a:xfrm>
               <a:prstGeom prst="rect">
@@ -7126,8 +7050,8 @@
           </p:sp>
         </mc:Fallback>
       </mc:AlternateContent>
-      <mc:AlternateContent xmlns:mc="http://schemas.openxmlformats.org/markup-compatibility/2006" xmlns:a14="http://schemas.microsoft.com/office/drawing/2010/main">
-        <mc:Choice Requires="a14">
+      <mc:AlternateContent xmlns:mc="http://schemas.openxmlformats.org/markup-compatibility/2006">
+        <mc:Choice xmlns:a14="http://schemas.microsoft.com/office/drawing/2010/main" Requires="a14">
           <p:sp>
             <p:nvSpPr>
               <p:cNvPr id="215" name="TextBox 214">
@@ -7142,7 +7066,7 @@
             </p:nvSpPr>
             <p:spPr>
               <a:xfrm>
-                <a:off x="7272255" y="1772630"/>
+                <a:off x="6807435" y="1772630"/>
                 <a:ext cx="485518" cy="284693"/>
               </a:xfrm>
               <a:prstGeom prst="rect">
@@ -7208,7 +7132,7 @@
             </p:txBody>
           </p:sp>
         </mc:Choice>
-        <mc:Fallback xmlns="">
+        <mc:Fallback>
           <p:sp>
             <p:nvSpPr>
               <p:cNvPr id="215" name="TextBox 214">
@@ -7225,7 +7149,7 @@
             </p:nvSpPr>
             <p:spPr>
               <a:xfrm>
-                <a:off x="7272255" y="1772630"/>
+                <a:off x="6807435" y="1772630"/>
                 <a:ext cx="485518" cy="284693"/>
               </a:xfrm>
               <a:prstGeom prst="rect">
@@ -7253,8 +7177,8 @@
           </p:sp>
         </mc:Fallback>
       </mc:AlternateContent>
-      <mc:AlternateContent xmlns:mc="http://schemas.openxmlformats.org/markup-compatibility/2006" xmlns:a14="http://schemas.microsoft.com/office/drawing/2010/main">
-        <mc:Choice Requires="a14">
+      <mc:AlternateContent xmlns:mc="http://schemas.openxmlformats.org/markup-compatibility/2006">
+        <mc:Choice xmlns:a14="http://schemas.microsoft.com/office/drawing/2010/main" Requires="a14">
           <p:sp>
             <p:nvSpPr>
               <p:cNvPr id="216" name="TextBox 215">
@@ -7269,7 +7193,7 @@
             </p:nvSpPr>
             <p:spPr>
               <a:xfrm>
-                <a:off x="7869117" y="1765643"/>
+                <a:off x="7198557" y="1765643"/>
                 <a:ext cx="485518" cy="284693"/>
               </a:xfrm>
               <a:prstGeom prst="rect">
@@ -7335,7 +7259,7 @@
             </p:txBody>
           </p:sp>
         </mc:Choice>
-        <mc:Fallback xmlns="">
+        <mc:Fallback>
           <p:sp>
             <p:nvSpPr>
               <p:cNvPr id="216" name="TextBox 215">
@@ -7352,7 +7276,7 @@
             </p:nvSpPr>
             <p:spPr>
               <a:xfrm>
-                <a:off x="7869117" y="1765643"/>
+                <a:off x="7198557" y="1765643"/>
                 <a:ext cx="485518" cy="284693"/>
               </a:xfrm>
               <a:prstGeom prst="rect">
@@ -7380,8 +7304,8 @@
           </p:sp>
         </mc:Fallback>
       </mc:AlternateContent>
-      <mc:AlternateContent xmlns:mc="http://schemas.openxmlformats.org/markup-compatibility/2006" xmlns:a14="http://schemas.microsoft.com/office/drawing/2010/main">
-        <mc:Choice Requires="a14">
+      <mc:AlternateContent xmlns:mc="http://schemas.openxmlformats.org/markup-compatibility/2006">
+        <mc:Choice xmlns:a14="http://schemas.microsoft.com/office/drawing/2010/main" Requires="a14">
           <p:sp>
             <p:nvSpPr>
               <p:cNvPr id="217" name="TextBox 216">
@@ -7396,7 +7320,7 @@
             </p:nvSpPr>
             <p:spPr>
               <a:xfrm>
-                <a:off x="8448591" y="1756992"/>
+                <a:off x="7640871" y="1756992"/>
                 <a:ext cx="485518" cy="284693"/>
               </a:xfrm>
               <a:prstGeom prst="rect">
@@ -7462,7 +7386,7 @@
             </p:txBody>
           </p:sp>
         </mc:Choice>
-        <mc:Fallback xmlns="">
+        <mc:Fallback>
           <p:sp>
             <p:nvSpPr>
               <p:cNvPr id="217" name="TextBox 216">
@@ -7479,7 +7403,7 @@
             </p:nvSpPr>
             <p:spPr>
               <a:xfrm>
-                <a:off x="8448591" y="1756992"/>
+                <a:off x="7640871" y="1756992"/>
                 <a:ext cx="485518" cy="284693"/>
               </a:xfrm>
               <a:prstGeom prst="rect">
@@ -7507,8 +7431,8 @@
           </p:sp>
         </mc:Fallback>
       </mc:AlternateContent>
-      <mc:AlternateContent xmlns:mc="http://schemas.openxmlformats.org/markup-compatibility/2006" xmlns:a14="http://schemas.microsoft.com/office/drawing/2010/main">
-        <mc:Choice Requires="a14">
+      <mc:AlternateContent xmlns:mc="http://schemas.openxmlformats.org/markup-compatibility/2006">
+        <mc:Choice xmlns:a14="http://schemas.microsoft.com/office/drawing/2010/main" Requires="a14">
           <p:sp>
             <p:nvSpPr>
               <p:cNvPr id="218" name="TextBox 217">
@@ -7523,7 +7447,7 @@
             </p:nvSpPr>
             <p:spPr>
               <a:xfrm>
-                <a:off x="9060217" y="1759655"/>
+                <a:off x="8069617" y="1759655"/>
                 <a:ext cx="485518" cy="284693"/>
               </a:xfrm>
               <a:prstGeom prst="rect">
@@ -7589,7 +7513,7 @@
             </p:txBody>
           </p:sp>
         </mc:Choice>
-        <mc:Fallback xmlns="">
+        <mc:Fallback>
           <p:sp>
             <p:nvSpPr>
               <p:cNvPr id="218" name="TextBox 217">
@@ -7606,7 +7530,7 @@
             </p:nvSpPr>
             <p:spPr>
               <a:xfrm>
-                <a:off x="9060217" y="1759655"/>
+                <a:off x="8069617" y="1759655"/>
                 <a:ext cx="485518" cy="284693"/>
               </a:xfrm>
               <a:prstGeom prst="rect">
@@ -7656,7 +7580,7 @@
         </p:blipFill>
         <p:spPr>
           <a:xfrm>
-            <a:off x="850044" y="5308976"/>
+            <a:off x="3078454" y="5131186"/>
             <a:ext cx="5224728" cy="268438"/>
           </a:xfrm>
           <a:prstGeom prst="rect">
@@ -7678,7 +7602,7 @@
         </p:nvSpPr>
         <p:spPr>
           <a:xfrm>
-            <a:off x="3917659" y="5045358"/>
+            <a:off x="3955759" y="4850943"/>
             <a:ext cx="594220" cy="255096"/>
           </a:xfrm>
           <a:prstGeom prst="upArrow">
@@ -7730,7 +7654,7 @@
         </p:nvSpPr>
         <p:spPr>
           <a:xfrm>
-            <a:off x="3917659" y="4037057"/>
+            <a:off x="3955759" y="3842642"/>
             <a:ext cx="594220" cy="219446"/>
           </a:xfrm>
           <a:prstGeom prst="upArrow">
@@ -7782,7 +7706,7 @@
         </p:nvSpPr>
         <p:spPr>
           <a:xfrm>
-            <a:off x="7800979" y="5054592"/>
+            <a:off x="7153279" y="4860177"/>
             <a:ext cx="594220" cy="255096"/>
           </a:xfrm>
           <a:prstGeom prst="upArrow">
@@ -7834,7 +7758,7 @@
         </p:nvSpPr>
         <p:spPr>
           <a:xfrm>
-            <a:off x="7803556" y="4062873"/>
+            <a:off x="7155856" y="3906558"/>
             <a:ext cx="594220" cy="192373"/>
           </a:xfrm>
           <a:prstGeom prst="upArrow">
@@ -7872,36 +7796,6 @@
           </a:p>
         </p:txBody>
       </p:sp>
-      <p:pic>
-        <p:nvPicPr>
-          <p:cNvPr id="238" name="Picture 237">
-            <a:extLst>
-              <a:ext uri="{FF2B5EF4-FFF2-40B4-BE49-F238E27FC236}">
-                <a16:creationId xmlns:a16="http://schemas.microsoft.com/office/drawing/2014/main" id="{BCBB7B83-B87D-4C8E-9941-FD4A8F869777}"/>
-              </a:ext>
-            </a:extLst>
-          </p:cNvPr>
-          <p:cNvPicPr>
-            <a:picLocks noChangeAspect="1"/>
-          </p:cNvPicPr>
-          <p:nvPr/>
-        </p:nvPicPr>
-        <p:blipFill>
-          <a:blip r:embed="rId10"/>
-          <a:stretch>
-            <a:fillRect/>
-          </a:stretch>
-        </p:blipFill>
-        <p:spPr>
-          <a:xfrm>
-            <a:off x="6680348" y="5352180"/>
-            <a:ext cx="3277384" cy="203107"/>
-          </a:xfrm>
-          <a:prstGeom prst="rect">
-            <a:avLst/>
-          </a:prstGeom>
-        </p:spPr>
-      </p:pic>
       <p:sp>
         <p:nvSpPr>
           <p:cNvPr id="261" name="TextBox 260">
@@ -7916,7 +7810,7 @@
         </p:nvSpPr>
         <p:spPr>
           <a:xfrm>
-            <a:off x="3581881" y="897536"/>
+            <a:off x="3619981" y="989815"/>
             <a:ext cx="1292341" cy="307777"/>
           </a:xfrm>
           <a:prstGeom prst="rect">
@@ -7952,7 +7846,7 @@
         </p:nvSpPr>
         <p:spPr>
           <a:xfrm>
-            <a:off x="7154310" y="948929"/>
+            <a:off x="6507239" y="1150265"/>
             <a:ext cx="2005677" cy="307777"/>
           </a:xfrm>
           <a:prstGeom prst="rect">
@@ -7988,7 +7882,7 @@
         </p:nvSpPr>
         <p:spPr>
           <a:xfrm>
-            <a:off x="2489217" y="4447004"/>
+            <a:off x="4684447" y="4632659"/>
             <a:ext cx="1330814" cy="276999"/>
           </a:xfrm>
           <a:prstGeom prst="rect">
@@ -8024,7 +7918,7 @@
         </p:nvSpPr>
         <p:spPr>
           <a:xfrm>
-            <a:off x="8625456" y="4483916"/>
+            <a:off x="7955694" y="4632658"/>
             <a:ext cx="1459054" cy="276999"/>
           </a:xfrm>
           <a:prstGeom prst="rect">
@@ -8060,7 +7954,7 @@
         </p:nvSpPr>
         <p:spPr>
           <a:xfrm>
-            <a:off x="6094312" y="2774106"/>
+            <a:off x="6063832" y="3193206"/>
             <a:ext cx="338554" cy="1515320"/>
           </a:xfrm>
           <a:prstGeom prst="rect">
@@ -8096,7 +7990,7 @@
         </p:nvSpPr>
         <p:spPr>
           <a:xfrm>
-            <a:off x="9604500" y="1790806"/>
+            <a:off x="8414779" y="1878113"/>
             <a:ext cx="720069" cy="276999"/>
           </a:xfrm>
           <a:prstGeom prst="rect">
@@ -8111,8 +8005,8 @@
           <a:lstStyle/>
           <a:p>
             <a:r>
-              <a:rPr lang="en-US" altLang="zh-CN" sz="1200" dirty="0" err="1"/>
-              <a:t>Softmax</a:t>
+              <a:rPr lang="en-US" altLang="zh-CN" sz="1200" dirty="0"/>
+              <a:t>softmax</a:t>
             </a:r>
             <a:endParaRPr lang="zh-CN" altLang="en-US" sz="1200" dirty="0"/>
           </a:p>
@@ -8132,7 +8026,7 @@
         </p:nvSpPr>
         <p:spPr>
           <a:xfrm>
-            <a:off x="9600401" y="2183934"/>
+            <a:off x="8320521" y="2387168"/>
             <a:ext cx="1215397" cy="276999"/>
           </a:xfrm>
           <a:prstGeom prst="rect">
@@ -8154,8 +8048,8 @@
           </a:p>
         </p:txBody>
       </p:sp>
-      <mc:AlternateContent xmlns:mc="http://schemas.openxmlformats.org/markup-compatibility/2006" xmlns:a14="http://schemas.microsoft.com/office/drawing/2010/main">
-        <mc:Choice Requires="a14">
+      <mc:AlternateContent xmlns:mc="http://schemas.openxmlformats.org/markup-compatibility/2006">
+        <mc:Choice xmlns:a14="http://schemas.microsoft.com/office/drawing/2010/main" Requires="a14">
           <p:sp>
             <p:nvSpPr>
               <p:cNvPr id="268" name="TextBox 267">
@@ -8170,7 +8064,7 @@
             </p:nvSpPr>
             <p:spPr>
               <a:xfrm>
-                <a:off x="6668616" y="1344808"/>
+                <a:off x="6509465" y="1482925"/>
                 <a:ext cx="453779" cy="284693"/>
               </a:xfrm>
               <a:prstGeom prst="rect">
@@ -8224,7 +8118,7 @@
             </p:txBody>
           </p:sp>
         </mc:Choice>
-        <mc:Fallback xmlns="">
+        <mc:Fallback>
           <p:sp>
             <p:nvSpPr>
               <p:cNvPr id="268" name="TextBox 267">
@@ -8241,16 +8135,16 @@
             </p:nvSpPr>
             <p:spPr>
               <a:xfrm>
-                <a:off x="6668616" y="1344808"/>
+                <a:off x="6509465" y="1482925"/>
                 <a:ext cx="453779" cy="284693"/>
               </a:xfrm>
               <a:prstGeom prst="rect">
                 <a:avLst/>
               </a:prstGeom>
               <a:blipFill>
-                <a:blip r:embed="rId11"/>
+                <a:blip r:embed="rId10"/>
                 <a:stretch>
-                  <a:fillRect b="-2174"/>
+                  <a:fillRect b="-2128"/>
                 </a:stretch>
               </a:blipFill>
             </p:spPr>
@@ -8269,8 +8163,8 @@
           </p:sp>
         </mc:Fallback>
       </mc:AlternateContent>
-      <mc:AlternateContent xmlns:mc="http://schemas.openxmlformats.org/markup-compatibility/2006" xmlns:a14="http://schemas.microsoft.com/office/drawing/2010/main">
-        <mc:Choice Requires="a14">
+      <mc:AlternateContent xmlns:mc="http://schemas.openxmlformats.org/markup-compatibility/2006">
+        <mc:Choice xmlns:a14="http://schemas.microsoft.com/office/drawing/2010/main" Requires="a14">
           <p:sp>
             <p:nvSpPr>
               <p:cNvPr id="269" name="TextBox 268">
@@ -8285,7 +8179,7 @@
             </p:nvSpPr>
             <p:spPr>
               <a:xfrm>
-                <a:off x="7273653" y="1354578"/>
+                <a:off x="6869793" y="1472024"/>
                 <a:ext cx="453779" cy="284693"/>
               </a:xfrm>
               <a:prstGeom prst="rect">
@@ -8339,7 +8233,7 @@
             </p:txBody>
           </p:sp>
         </mc:Choice>
-        <mc:Fallback xmlns="">
+        <mc:Fallback>
           <p:sp>
             <p:nvSpPr>
               <p:cNvPr id="269" name="TextBox 268">
@@ -8356,14 +8250,14 @@
             </p:nvSpPr>
             <p:spPr>
               <a:xfrm>
-                <a:off x="7273653" y="1354578"/>
+                <a:off x="6869793" y="1472024"/>
                 <a:ext cx="453779" cy="284693"/>
               </a:xfrm>
               <a:prstGeom prst="rect">
                 <a:avLst/>
               </a:prstGeom>
               <a:blipFill>
-                <a:blip r:embed="rId12"/>
+                <a:blip r:embed="rId11"/>
                 <a:stretch>
                   <a:fillRect b="-2128"/>
                 </a:stretch>
@@ -8384,8 +8278,8 @@
           </p:sp>
         </mc:Fallback>
       </mc:AlternateContent>
-      <mc:AlternateContent xmlns:mc="http://schemas.openxmlformats.org/markup-compatibility/2006" xmlns:a14="http://schemas.microsoft.com/office/drawing/2010/main">
-        <mc:Choice Requires="a14">
+      <mc:AlternateContent xmlns:mc="http://schemas.openxmlformats.org/markup-compatibility/2006">
+        <mc:Choice xmlns:a14="http://schemas.microsoft.com/office/drawing/2010/main" Requires="a14">
           <p:sp>
             <p:nvSpPr>
               <p:cNvPr id="270" name="TextBox 269">
@@ -8400,7 +8294,7 @@
             </p:nvSpPr>
             <p:spPr>
               <a:xfrm>
-                <a:off x="7870515" y="1347591"/>
+                <a:off x="7238055" y="1465037"/>
                 <a:ext cx="453779" cy="284693"/>
               </a:xfrm>
               <a:prstGeom prst="rect">
@@ -8454,7 +8348,7 @@
             </p:txBody>
           </p:sp>
         </mc:Choice>
-        <mc:Fallback xmlns="">
+        <mc:Fallback>
           <p:sp>
             <p:nvSpPr>
               <p:cNvPr id="270" name="TextBox 269">
@@ -8471,14 +8365,14 @@
             </p:nvSpPr>
             <p:spPr>
               <a:xfrm>
-                <a:off x="7870515" y="1347591"/>
+                <a:off x="7238055" y="1465037"/>
                 <a:ext cx="453779" cy="284693"/>
               </a:xfrm>
               <a:prstGeom prst="rect">
                 <a:avLst/>
               </a:prstGeom>
               <a:blipFill>
-                <a:blip r:embed="rId13"/>
+                <a:blip r:embed="rId12"/>
                 <a:stretch>
                   <a:fillRect b="-2128"/>
                 </a:stretch>
@@ -8499,8 +8393,8 @@
           </p:sp>
         </mc:Fallback>
       </mc:AlternateContent>
-      <mc:AlternateContent xmlns:mc="http://schemas.openxmlformats.org/markup-compatibility/2006" xmlns:a14="http://schemas.microsoft.com/office/drawing/2010/main">
-        <mc:Choice Requires="a14">
+      <mc:AlternateContent xmlns:mc="http://schemas.openxmlformats.org/markup-compatibility/2006">
+        <mc:Choice xmlns:a14="http://schemas.microsoft.com/office/drawing/2010/main" Requires="a14">
           <p:sp>
             <p:nvSpPr>
               <p:cNvPr id="271" name="TextBox 270">
@@ -8515,7 +8409,7 @@
             </p:nvSpPr>
             <p:spPr>
               <a:xfrm>
-                <a:off x="8449989" y="1338940"/>
+                <a:off x="7672749" y="1456386"/>
                 <a:ext cx="453779" cy="284693"/>
               </a:xfrm>
               <a:prstGeom prst="rect">
@@ -8569,7 +8463,7 @@
             </p:txBody>
           </p:sp>
         </mc:Choice>
-        <mc:Fallback xmlns="">
+        <mc:Fallback>
           <p:sp>
             <p:nvSpPr>
               <p:cNvPr id="271" name="TextBox 270">
@@ -8586,16 +8480,16 @@
             </p:nvSpPr>
             <p:spPr>
               <a:xfrm>
-                <a:off x="8449989" y="1338940"/>
+                <a:off x="7672749" y="1456386"/>
                 <a:ext cx="453779" cy="284693"/>
               </a:xfrm>
               <a:prstGeom prst="rect">
                 <a:avLst/>
               </a:prstGeom>
               <a:blipFill>
-                <a:blip r:embed="rId14"/>
+                <a:blip r:embed="rId13"/>
                 <a:stretch>
-                  <a:fillRect b="-2174"/>
+                  <a:fillRect/>
                 </a:stretch>
               </a:blipFill>
             </p:spPr>
@@ -8614,8 +8508,8 @@
           </p:sp>
         </mc:Fallback>
       </mc:AlternateContent>
-      <mc:AlternateContent xmlns:mc="http://schemas.openxmlformats.org/markup-compatibility/2006" xmlns:a14="http://schemas.microsoft.com/office/drawing/2010/main">
-        <mc:Choice Requires="a14">
+      <mc:AlternateContent xmlns:mc="http://schemas.openxmlformats.org/markup-compatibility/2006">
+        <mc:Choice xmlns:a14="http://schemas.microsoft.com/office/drawing/2010/main" Requires="a14">
           <p:sp>
             <p:nvSpPr>
               <p:cNvPr id="272" name="TextBox 271">
@@ -8630,7 +8524,7 @@
             </p:nvSpPr>
             <p:spPr>
               <a:xfrm>
-                <a:off x="9061615" y="1341603"/>
+                <a:off x="8093875" y="1459049"/>
                 <a:ext cx="453779" cy="284693"/>
               </a:xfrm>
               <a:prstGeom prst="rect">
@@ -8684,7 +8578,7 @@
             </p:txBody>
           </p:sp>
         </mc:Choice>
-        <mc:Fallback xmlns="">
+        <mc:Fallback>
           <p:sp>
             <p:nvSpPr>
               <p:cNvPr id="272" name="TextBox 271">
@@ -8701,14 +8595,14 @@
             </p:nvSpPr>
             <p:spPr>
               <a:xfrm>
-                <a:off x="9061615" y="1341603"/>
+                <a:off x="8093875" y="1459049"/>
                 <a:ext cx="453779" cy="284693"/>
               </a:xfrm>
               <a:prstGeom prst="rect">
                 <a:avLst/>
               </a:prstGeom>
               <a:blipFill>
-                <a:blip r:embed="rId15"/>
+                <a:blip r:embed="rId14"/>
                 <a:stretch>
                   <a:fillRect b="-2128"/>
                 </a:stretch>
@@ -8729,50 +8623,6 @@
           </p:sp>
         </mc:Fallback>
       </mc:AlternateContent>
-      <p:sp>
-        <p:nvSpPr>
-          <p:cNvPr id="3" name="TextBox 2">
-            <a:extLst>
-              <a:ext uri="{FF2B5EF4-FFF2-40B4-BE49-F238E27FC236}">
-                <a16:creationId xmlns:a16="http://schemas.microsoft.com/office/drawing/2014/main" id="{B44BBD8C-3397-42B9-83D1-A2488905C16B}"/>
-              </a:ext>
-            </a:extLst>
-          </p:cNvPr>
-          <p:cNvSpPr txBox="1"/>
-          <p:nvPr/>
-        </p:nvSpPr>
-        <p:spPr>
-          <a:xfrm>
-            <a:off x="285225" y="682092"/>
-            <a:ext cx="2419252" cy="369332"/>
-          </a:xfrm>
-          <a:prstGeom prst="rect">
-            <a:avLst/>
-          </a:prstGeom>
-          <a:noFill/>
-        </p:spPr>
-        <p:txBody>
-          <a:bodyPr wrap="none" rtlCol="0">
-            <a:spAutoFit/>
-          </a:bodyPr>
-          <a:lstStyle/>
-          <a:p>
-            <a:r>
-              <a:rPr lang="en-US" altLang="zh-CN" b="1" dirty="0">
-                <a:solidFill>
-                  <a:srgbClr val="FF0000"/>
-                </a:solidFill>
-              </a:rPr>
-              <a:t>Baseline LSTM model</a:t>
-            </a:r>
-            <a:endParaRPr lang="zh-CN" altLang="en-US" b="1" dirty="0">
-              <a:solidFill>
-                <a:srgbClr val="FF0000"/>
-              </a:solidFill>
-            </a:endParaRPr>
-          </a:p>
-        </p:txBody>
-      </p:sp>
     </p:spTree>
     <p:extLst>
       <p:ext uri="{BB962C8B-B14F-4D97-AF65-F5344CB8AC3E}">
